--- a/figures/cache_configurations_static_dynamic.pptx
+++ b/figures/cache_configurations_static_dynamic.pptx
@@ -288,7 +288,7 @@
           <a:p>
             <a:fld id="{A79B3858-976E-4C3E-BA77-60674B373806}" type="datetimeFigureOut">
               <a:rPr lang="en-US" smtClean="0"/>
-              <a:t>4/1/2017</a:t>
+              <a:t>4/3/2017</a:t>
             </a:fld>
             <a:endParaRPr lang="en-US"/>
           </a:p>
@@ -458,7 +458,7 @@
           <a:p>
             <a:fld id="{A79B3858-976E-4C3E-BA77-60674B373806}" type="datetimeFigureOut">
               <a:rPr lang="en-US" smtClean="0"/>
-              <a:t>4/1/2017</a:t>
+              <a:t>4/3/2017</a:t>
             </a:fld>
             <a:endParaRPr lang="en-US"/>
           </a:p>
@@ -638,7 +638,7 @@
           <a:p>
             <a:fld id="{A79B3858-976E-4C3E-BA77-60674B373806}" type="datetimeFigureOut">
               <a:rPr lang="en-US" smtClean="0"/>
-              <a:t>4/1/2017</a:t>
+              <a:t>4/3/2017</a:t>
             </a:fld>
             <a:endParaRPr lang="en-US"/>
           </a:p>
@@ -808,7 +808,7 @@
           <a:p>
             <a:fld id="{A79B3858-976E-4C3E-BA77-60674B373806}" type="datetimeFigureOut">
               <a:rPr lang="en-US" smtClean="0"/>
-              <a:t>4/1/2017</a:t>
+              <a:t>4/3/2017</a:t>
             </a:fld>
             <a:endParaRPr lang="en-US"/>
           </a:p>
@@ -1054,7 +1054,7 @@
           <a:p>
             <a:fld id="{A79B3858-976E-4C3E-BA77-60674B373806}" type="datetimeFigureOut">
               <a:rPr lang="en-US" smtClean="0"/>
-              <a:t>4/1/2017</a:t>
+              <a:t>4/3/2017</a:t>
             </a:fld>
             <a:endParaRPr lang="en-US"/>
           </a:p>
@@ -1342,7 +1342,7 @@
           <a:p>
             <a:fld id="{A79B3858-976E-4C3E-BA77-60674B373806}" type="datetimeFigureOut">
               <a:rPr lang="en-US" smtClean="0"/>
-              <a:t>4/1/2017</a:t>
+              <a:t>4/3/2017</a:t>
             </a:fld>
             <a:endParaRPr lang="en-US"/>
           </a:p>
@@ -1769,7 +1769,7 @@
           <a:p>
             <a:fld id="{A79B3858-976E-4C3E-BA77-60674B373806}" type="datetimeFigureOut">
               <a:rPr lang="en-US" smtClean="0"/>
-              <a:t>4/1/2017</a:t>
+              <a:t>4/3/2017</a:t>
             </a:fld>
             <a:endParaRPr lang="en-US"/>
           </a:p>
@@ -1887,7 +1887,7 @@
           <a:p>
             <a:fld id="{A79B3858-976E-4C3E-BA77-60674B373806}" type="datetimeFigureOut">
               <a:rPr lang="en-US" smtClean="0"/>
-              <a:t>4/1/2017</a:t>
+              <a:t>4/3/2017</a:t>
             </a:fld>
             <a:endParaRPr lang="en-US"/>
           </a:p>
@@ -1982,7 +1982,7 @@
           <a:p>
             <a:fld id="{A79B3858-976E-4C3E-BA77-60674B373806}" type="datetimeFigureOut">
               <a:rPr lang="en-US" smtClean="0"/>
-              <a:t>4/1/2017</a:t>
+              <a:t>4/3/2017</a:t>
             </a:fld>
             <a:endParaRPr lang="en-US"/>
           </a:p>
@@ -2259,7 +2259,7 @@
           <a:p>
             <a:fld id="{A79B3858-976E-4C3E-BA77-60674B373806}" type="datetimeFigureOut">
               <a:rPr lang="en-US" smtClean="0"/>
-              <a:t>4/1/2017</a:t>
+              <a:t>4/3/2017</a:t>
             </a:fld>
             <a:endParaRPr lang="en-US"/>
           </a:p>
@@ -2512,7 +2512,7 @@
           <a:p>
             <a:fld id="{A79B3858-976E-4C3E-BA77-60674B373806}" type="datetimeFigureOut">
               <a:rPr lang="en-US" smtClean="0"/>
-              <a:t>4/1/2017</a:t>
+              <a:t>4/3/2017</a:t>
             </a:fld>
             <a:endParaRPr lang="en-US"/>
           </a:p>
@@ -2725,7 +2725,7 @@
           <a:p>
             <a:fld id="{A79B3858-976E-4C3E-BA77-60674B373806}" type="datetimeFigureOut">
               <a:rPr lang="en-US" smtClean="0"/>
-              <a:t>4/1/2017</a:t>
+              <a:t>4/3/2017</a:t>
             </a:fld>
             <a:endParaRPr lang="en-US"/>
           </a:p>
@@ -3108,7 +3108,7 @@
         </p:nvSpPr>
         <p:spPr>
           <a:xfrm>
-            <a:off x="150636" y="1981200"/>
+            <a:off x="58316" y="1981200"/>
             <a:ext cx="4345164" cy="1371601"/>
           </a:xfrm>
           <a:prstGeom prst="rect">
@@ -3162,7 +3162,7 @@
         </p:nvSpPr>
         <p:spPr>
           <a:xfrm>
-            <a:off x="152399" y="381000"/>
+            <a:off x="60079" y="381000"/>
             <a:ext cx="9347777" cy="1042152"/>
           </a:xfrm>
           <a:prstGeom prst="rect">
@@ -3221,7 +3221,7 @@
         </p:nvSpPr>
         <p:spPr>
           <a:xfrm>
-            <a:off x="457200" y="320189"/>
+            <a:off x="364880" y="320189"/>
             <a:ext cx="381000" cy="338554"/>
           </a:xfrm>
           <a:prstGeom prst="rect">
@@ -3267,7 +3267,7 @@
         </p:nvSpPr>
         <p:spPr>
           <a:xfrm>
-            <a:off x="949057" y="304800"/>
+            <a:off x="856737" y="304800"/>
             <a:ext cx="343364" cy="369332"/>
           </a:xfrm>
           <a:prstGeom prst="rect">
@@ -3297,7 +3297,7 @@
         </p:nvSpPr>
         <p:spPr>
           <a:xfrm>
-            <a:off x="464468" y="891925"/>
+            <a:off x="372148" y="891925"/>
             <a:ext cx="366463" cy="262354"/>
           </a:xfrm>
           <a:prstGeom prst="rect">
@@ -3354,7 +3354,7 @@
         </p:nvCxnSpPr>
         <p:spPr>
           <a:xfrm>
-            <a:off x="647700" y="658743"/>
+            <a:off x="555380" y="658743"/>
             <a:ext cx="0" cy="233182"/>
           </a:xfrm>
           <a:prstGeom prst="straightConnector1">
@@ -3393,7 +3393,7 @@
         </p:nvSpPr>
         <p:spPr>
           <a:xfrm>
-            <a:off x="1371600" y="320189"/>
+            <a:off x="1279280" y="320189"/>
             <a:ext cx="381000" cy="338554"/>
           </a:xfrm>
           <a:prstGeom prst="rect">
@@ -3439,7 +3439,7 @@
         </p:nvSpPr>
         <p:spPr>
           <a:xfrm>
-            <a:off x="1378868" y="891925"/>
+            <a:off x="1286548" y="891925"/>
             <a:ext cx="366463" cy="262354"/>
           </a:xfrm>
           <a:prstGeom prst="rect">
@@ -3496,7 +3496,7 @@
         </p:nvCxnSpPr>
         <p:spPr>
           <a:xfrm>
-            <a:off x="1562100" y="658743"/>
+            <a:off x="1469780" y="658743"/>
             <a:ext cx="0" cy="233182"/>
           </a:xfrm>
           <a:prstGeom prst="straightConnector1">
@@ -3535,7 +3535,7 @@
         </p:nvSpPr>
         <p:spPr>
           <a:xfrm>
-            <a:off x="464468" y="1441966"/>
+            <a:off x="372148" y="1441966"/>
             <a:ext cx="1280863" cy="190500"/>
           </a:xfrm>
           <a:prstGeom prst="roundRect">
@@ -3581,7 +3581,7 @@
         </p:nvCxnSpPr>
         <p:spPr>
           <a:xfrm>
-            <a:off x="647700" y="1154279"/>
+            <a:off x="555380" y="1154279"/>
             <a:ext cx="0" cy="289052"/>
           </a:xfrm>
           <a:prstGeom prst="straightConnector1">
@@ -3622,7 +3622,7 @@
         </p:nvCxnSpPr>
         <p:spPr>
           <a:xfrm>
-            <a:off x="1562100" y="1154279"/>
+            <a:off x="1469780" y="1154279"/>
             <a:ext cx="0" cy="287687"/>
           </a:xfrm>
           <a:prstGeom prst="straightConnector1">
@@ -3661,7 +3661,7 @@
         </p:nvSpPr>
         <p:spPr>
           <a:xfrm>
-            <a:off x="587338" y="2031471"/>
+            <a:off x="495018" y="2031471"/>
             <a:ext cx="1089061" cy="277004"/>
           </a:xfrm>
           <a:prstGeom prst="rect">
@@ -3710,7 +3710,7 @@
         </p:nvSpPr>
         <p:spPr>
           <a:xfrm>
-            <a:off x="663537" y="2513112"/>
+            <a:off x="571217" y="2513112"/>
             <a:ext cx="914401" cy="457200"/>
           </a:xfrm>
           <a:prstGeom prst="rect">
@@ -3756,7 +3756,7 @@
         </p:nvCxnSpPr>
         <p:spPr>
           <a:xfrm flipH="1">
-            <a:off x="723899" y="1648091"/>
+            <a:off x="631579" y="1648091"/>
             <a:ext cx="2" cy="383380"/>
           </a:xfrm>
           <a:prstGeom prst="straightConnector1">
@@ -3795,7 +3795,7 @@
         </p:nvCxnSpPr>
         <p:spPr>
           <a:xfrm flipH="1">
-            <a:off x="830931" y="1648091"/>
+            <a:off x="738611" y="1648091"/>
             <a:ext cx="2509" cy="383380"/>
           </a:xfrm>
           <a:prstGeom prst="straightConnector1">
@@ -3834,7 +3834,7 @@
         </p:nvCxnSpPr>
         <p:spPr>
           <a:xfrm flipH="1">
-            <a:off x="949057" y="1648091"/>
+            <a:off x="856737" y="1648091"/>
             <a:ext cx="8206" cy="383380"/>
           </a:xfrm>
           <a:prstGeom prst="straightConnector1">
@@ -3873,7 +3873,7 @@
         </p:nvCxnSpPr>
         <p:spPr>
           <a:xfrm flipH="1">
-            <a:off x="1066800" y="1648091"/>
+            <a:off x="974480" y="1648091"/>
             <a:ext cx="2" cy="383380"/>
           </a:xfrm>
           <a:prstGeom prst="straightConnector1">
@@ -3912,7 +3912,7 @@
         </p:nvCxnSpPr>
         <p:spPr>
           <a:xfrm flipH="1">
-            <a:off x="1181100" y="1647047"/>
+            <a:off x="1088780" y="1647047"/>
             <a:ext cx="1" cy="384424"/>
           </a:xfrm>
           <a:prstGeom prst="straightConnector1">
@@ -3951,7 +3951,7 @@
         </p:nvCxnSpPr>
         <p:spPr>
           <a:xfrm flipH="1">
-            <a:off x="1288671" y="1647047"/>
+            <a:off x="1196351" y="1647047"/>
             <a:ext cx="1969" cy="384424"/>
           </a:xfrm>
           <a:prstGeom prst="straightConnector1">
@@ -3990,7 +3990,7 @@
         </p:nvCxnSpPr>
         <p:spPr>
           <a:xfrm flipH="1">
-            <a:off x="1414461" y="1647047"/>
+            <a:off x="1322141" y="1647047"/>
             <a:ext cx="2" cy="384424"/>
           </a:xfrm>
           <a:prstGeom prst="straightConnector1">
@@ -4029,7 +4029,7 @@
         </p:nvCxnSpPr>
         <p:spPr>
           <a:xfrm flipH="1">
-            <a:off x="1524000" y="1647047"/>
+            <a:off x="1431680" y="1647047"/>
             <a:ext cx="2" cy="384424"/>
           </a:xfrm>
           <a:prstGeom prst="straightConnector1">
@@ -4068,7 +4068,7 @@
         </p:nvCxnSpPr>
         <p:spPr>
           <a:xfrm>
-            <a:off x="957262" y="2308475"/>
+            <a:off x="864942" y="2308475"/>
             <a:ext cx="3931" cy="200291"/>
           </a:xfrm>
           <a:prstGeom prst="straightConnector1">
@@ -4109,7 +4109,7 @@
         </p:nvCxnSpPr>
         <p:spPr>
           <a:xfrm>
-            <a:off x="1745331" y="1537216"/>
+            <a:off x="1653011" y="1537216"/>
             <a:ext cx="464469" cy="0"/>
           </a:xfrm>
           <a:prstGeom prst="straightConnector1">
@@ -4146,7 +4146,7 @@
         </p:nvSpPr>
         <p:spPr>
           <a:xfrm>
-            <a:off x="1676400" y="1511292"/>
+            <a:off x="1584080" y="1511292"/>
             <a:ext cx="638316" cy="276999"/>
           </a:xfrm>
           <a:prstGeom prst="rect">
@@ -4176,7 +4176,7 @@
         </p:nvSpPr>
         <p:spPr>
           <a:xfrm>
-            <a:off x="949057" y="882134"/>
+            <a:off x="856737" y="882134"/>
             <a:ext cx="343364" cy="369332"/>
           </a:xfrm>
           <a:prstGeom prst="rect">
@@ -4206,7 +4206,7 @@
         </p:nvSpPr>
         <p:spPr>
           <a:xfrm>
-            <a:off x="2743200" y="167789"/>
+            <a:off x="2650880" y="167789"/>
             <a:ext cx="381000" cy="338554"/>
           </a:xfrm>
           <a:prstGeom prst="rect">
@@ -4252,7 +4252,7 @@
         </p:nvSpPr>
         <p:spPr>
           <a:xfrm>
-            <a:off x="3235057" y="152400"/>
+            <a:off x="3142737" y="152400"/>
             <a:ext cx="343364" cy="369332"/>
           </a:xfrm>
           <a:prstGeom prst="rect">
@@ -4282,7 +4282,7 @@
         </p:nvSpPr>
         <p:spPr>
           <a:xfrm>
-            <a:off x="2750468" y="718066"/>
+            <a:off x="2658148" y="718066"/>
             <a:ext cx="366463" cy="262354"/>
           </a:xfrm>
           <a:prstGeom prst="rect">
@@ -4339,7 +4339,7 @@
         </p:nvCxnSpPr>
         <p:spPr>
           <a:xfrm>
-            <a:off x="2933700" y="506343"/>
+            <a:off x="2841380" y="506343"/>
             <a:ext cx="0" cy="211723"/>
           </a:xfrm>
           <a:prstGeom prst="straightConnector1">
@@ -4378,7 +4378,7 @@
         </p:nvSpPr>
         <p:spPr>
           <a:xfrm>
-            <a:off x="3657600" y="167789"/>
+            <a:off x="3565280" y="167789"/>
             <a:ext cx="381000" cy="338554"/>
           </a:xfrm>
           <a:prstGeom prst="rect">
@@ -4424,7 +4424,7 @@
         </p:nvSpPr>
         <p:spPr>
           <a:xfrm>
-            <a:off x="3664868" y="718066"/>
+            <a:off x="3572548" y="718066"/>
             <a:ext cx="366463" cy="262354"/>
           </a:xfrm>
           <a:prstGeom prst="rect">
@@ -4481,7 +4481,7 @@
         </p:nvCxnSpPr>
         <p:spPr>
           <a:xfrm>
-            <a:off x="3848100" y="506343"/>
+            <a:off x="3755780" y="506343"/>
             <a:ext cx="0" cy="211723"/>
           </a:xfrm>
           <a:prstGeom prst="straightConnector1">
@@ -4520,7 +4520,7 @@
         </p:nvSpPr>
         <p:spPr>
           <a:xfrm>
-            <a:off x="2750468" y="1693041"/>
+            <a:off x="2658148" y="1693041"/>
             <a:ext cx="1280863" cy="190500"/>
           </a:xfrm>
           <a:prstGeom prst="roundRect">
@@ -4566,7 +4566,7 @@
         </p:nvCxnSpPr>
         <p:spPr>
           <a:xfrm>
-            <a:off x="2933700" y="980420"/>
+            <a:off x="2841380" y="980420"/>
             <a:ext cx="0" cy="194846"/>
           </a:xfrm>
           <a:prstGeom prst="straightConnector1">
@@ -4607,7 +4607,7 @@
         </p:nvCxnSpPr>
         <p:spPr>
           <a:xfrm>
-            <a:off x="3848100" y="980420"/>
+            <a:off x="3755780" y="980420"/>
             <a:ext cx="0" cy="194846"/>
           </a:xfrm>
           <a:prstGeom prst="straightConnector1">
@@ -4646,7 +4646,7 @@
         </p:nvSpPr>
         <p:spPr>
           <a:xfrm>
-            <a:off x="2848116" y="2165866"/>
+            <a:off x="2755796" y="2165866"/>
             <a:ext cx="1114284" cy="228600"/>
           </a:xfrm>
           <a:prstGeom prst="rect">
@@ -4695,7 +4695,7 @@
         </p:nvSpPr>
         <p:spPr>
           <a:xfrm>
-            <a:off x="2949537" y="2667000"/>
+            <a:off x="2857217" y="2667000"/>
             <a:ext cx="914401" cy="457200"/>
           </a:xfrm>
           <a:prstGeom prst="rect">
@@ -4741,7 +4741,7 @@
         </p:nvCxnSpPr>
         <p:spPr>
           <a:xfrm flipH="1">
-            <a:off x="3009899" y="1899166"/>
+            <a:off x="2917579" y="1899166"/>
             <a:ext cx="1" cy="266700"/>
           </a:xfrm>
           <a:prstGeom prst="straightConnector1">
@@ -4780,7 +4780,7 @@
         </p:nvCxnSpPr>
         <p:spPr>
           <a:xfrm flipH="1">
-            <a:off x="3119438" y="1899166"/>
+            <a:off x="3027118" y="1899166"/>
             <a:ext cx="1" cy="266700"/>
           </a:xfrm>
           <a:prstGeom prst="straightConnector1">
@@ -4819,7 +4819,7 @@
         </p:nvCxnSpPr>
         <p:spPr>
           <a:xfrm flipH="1">
-            <a:off x="3243261" y="1899166"/>
+            <a:off x="3150941" y="1899166"/>
             <a:ext cx="1" cy="266700"/>
           </a:xfrm>
           <a:prstGeom prst="straightConnector1">
@@ -4858,7 +4858,7 @@
         </p:nvCxnSpPr>
         <p:spPr>
           <a:xfrm flipH="1">
-            <a:off x="3352800" y="1899166"/>
+            <a:off x="3260480" y="1899166"/>
             <a:ext cx="1" cy="266700"/>
           </a:xfrm>
           <a:prstGeom prst="straightConnector1">
@@ -4897,7 +4897,7 @@
         </p:nvCxnSpPr>
         <p:spPr>
           <a:xfrm flipH="1">
-            <a:off x="3467099" y="1898122"/>
+            <a:off x="3374779" y="1898122"/>
             <a:ext cx="1" cy="266700"/>
           </a:xfrm>
           <a:prstGeom prst="straightConnector1">
@@ -4936,7 +4936,7 @@
         </p:nvCxnSpPr>
         <p:spPr>
           <a:xfrm flipH="1">
-            <a:off x="3576638" y="1898122"/>
+            <a:off x="3484318" y="1898122"/>
             <a:ext cx="1" cy="266700"/>
           </a:xfrm>
           <a:prstGeom prst="straightConnector1">
@@ -4975,7 +4975,7 @@
         </p:nvCxnSpPr>
         <p:spPr>
           <a:xfrm flipH="1">
-            <a:off x="3700461" y="1898122"/>
+            <a:off x="3608141" y="1898122"/>
             <a:ext cx="1" cy="266700"/>
           </a:xfrm>
           <a:prstGeom prst="straightConnector1">
@@ -5014,7 +5014,7 @@
         </p:nvCxnSpPr>
         <p:spPr>
           <a:xfrm flipH="1">
-            <a:off x="3810000" y="1898122"/>
+            <a:off x="3717680" y="1898122"/>
             <a:ext cx="1" cy="266700"/>
           </a:xfrm>
           <a:prstGeom prst="straightConnector1">
@@ -5053,7 +5053,7 @@
         </p:nvCxnSpPr>
         <p:spPr>
           <a:xfrm flipH="1">
-            <a:off x="3247192" y="2395954"/>
+            <a:off x="3154872" y="2395954"/>
             <a:ext cx="1" cy="266700"/>
           </a:xfrm>
           <a:prstGeom prst="straightConnector1">
@@ -5092,7 +5092,7 @@
         </p:nvCxnSpPr>
         <p:spPr>
           <a:xfrm flipH="1">
-            <a:off x="3356731" y="2395954"/>
+            <a:off x="3264411" y="2395954"/>
             <a:ext cx="1" cy="266700"/>
           </a:xfrm>
           <a:prstGeom prst="straightConnector1">
@@ -5131,7 +5131,7 @@
         </p:nvCxnSpPr>
         <p:spPr>
           <a:xfrm flipH="1">
-            <a:off x="3480554" y="2395954"/>
+            <a:off x="3388234" y="2395954"/>
             <a:ext cx="1" cy="266700"/>
           </a:xfrm>
           <a:prstGeom prst="straightConnector1">
@@ -5170,7 +5170,7 @@
         </p:nvCxnSpPr>
         <p:spPr>
           <a:xfrm flipH="1">
-            <a:off x="3590093" y="2395954"/>
+            <a:off x="3497773" y="2395954"/>
             <a:ext cx="1" cy="266700"/>
           </a:xfrm>
           <a:prstGeom prst="straightConnector1">
@@ -5211,7 +5211,7 @@
         </p:nvCxnSpPr>
         <p:spPr>
           <a:xfrm>
-            <a:off x="4031331" y="1788291"/>
+            <a:off x="3939011" y="1788291"/>
             <a:ext cx="464469" cy="0"/>
           </a:xfrm>
           <a:prstGeom prst="straightConnector1">
@@ -5248,7 +5248,7 @@
         </p:nvSpPr>
         <p:spPr>
           <a:xfrm>
-            <a:off x="3962400" y="1511292"/>
+            <a:off x="3870080" y="1511292"/>
             <a:ext cx="638316" cy="276999"/>
           </a:xfrm>
           <a:prstGeom prst="rect">
@@ -5278,7 +5278,7 @@
         </p:nvSpPr>
         <p:spPr>
           <a:xfrm>
-            <a:off x="3235057" y="729734"/>
+            <a:off x="3142737" y="729734"/>
             <a:ext cx="343364" cy="369332"/>
           </a:xfrm>
           <a:prstGeom prst="rect">
@@ -5308,7 +5308,7 @@
         </p:nvSpPr>
         <p:spPr>
           <a:xfrm>
-            <a:off x="2848116" y="1175266"/>
+            <a:off x="2755796" y="1175266"/>
             <a:ext cx="1114284" cy="226427"/>
           </a:xfrm>
           <a:prstGeom prst="rect">
@@ -5355,7 +5355,7 @@
         </p:nvCxnSpPr>
         <p:spPr>
           <a:xfrm flipH="1">
-            <a:off x="3009899" y="1427385"/>
+            <a:off x="2917579" y="1427385"/>
             <a:ext cx="1" cy="266700"/>
           </a:xfrm>
           <a:prstGeom prst="straightConnector1">
@@ -5394,7 +5394,7 @@
         </p:nvCxnSpPr>
         <p:spPr>
           <a:xfrm flipH="1">
-            <a:off x="3119438" y="1427385"/>
+            <a:off x="3027118" y="1427385"/>
             <a:ext cx="1" cy="266700"/>
           </a:xfrm>
           <a:prstGeom prst="straightConnector1">
@@ -5433,7 +5433,7 @@
         </p:nvCxnSpPr>
         <p:spPr>
           <a:xfrm flipH="1">
-            <a:off x="3243261" y="1427385"/>
+            <a:off x="3150941" y="1427385"/>
             <a:ext cx="1" cy="266700"/>
           </a:xfrm>
           <a:prstGeom prst="straightConnector1">
@@ -5472,7 +5472,7 @@
         </p:nvCxnSpPr>
         <p:spPr>
           <a:xfrm flipH="1">
-            <a:off x="3352800" y="1427385"/>
+            <a:off x="3260480" y="1427385"/>
             <a:ext cx="1" cy="266700"/>
           </a:xfrm>
           <a:prstGeom prst="straightConnector1">
@@ -5511,7 +5511,7 @@
         </p:nvCxnSpPr>
         <p:spPr>
           <a:xfrm flipH="1">
-            <a:off x="3467099" y="1426341"/>
+            <a:off x="3374779" y="1426341"/>
             <a:ext cx="1" cy="266700"/>
           </a:xfrm>
           <a:prstGeom prst="straightConnector1">
@@ -5550,7 +5550,7 @@
         </p:nvCxnSpPr>
         <p:spPr>
           <a:xfrm flipH="1">
-            <a:off x="3576638" y="1426341"/>
+            <a:off x="3484318" y="1426341"/>
             <a:ext cx="1" cy="266700"/>
           </a:xfrm>
           <a:prstGeom prst="straightConnector1">
@@ -5589,7 +5589,7 @@
         </p:nvCxnSpPr>
         <p:spPr>
           <a:xfrm flipH="1">
-            <a:off x="3700461" y="1426341"/>
+            <a:off x="3608141" y="1426341"/>
             <a:ext cx="1" cy="266700"/>
           </a:xfrm>
           <a:prstGeom prst="straightConnector1">
@@ -5628,7 +5628,7 @@
         </p:nvCxnSpPr>
         <p:spPr>
           <a:xfrm flipH="1">
-            <a:off x="3810000" y="1426341"/>
+            <a:off x="3717680" y="1426341"/>
             <a:ext cx="1" cy="266700"/>
           </a:xfrm>
           <a:prstGeom prst="straightConnector1">
@@ -5667,7 +5667,7 @@
         </p:nvSpPr>
         <p:spPr>
           <a:xfrm>
-            <a:off x="5173575" y="59323"/>
+            <a:off x="5081255" y="59323"/>
             <a:ext cx="381000" cy="338554"/>
           </a:xfrm>
           <a:prstGeom prst="rect">
@@ -5713,7 +5713,7 @@
         </p:nvSpPr>
         <p:spPr>
           <a:xfrm>
-            <a:off x="5665432" y="43934"/>
+            <a:off x="5573112" y="43934"/>
             <a:ext cx="343364" cy="369332"/>
           </a:xfrm>
           <a:prstGeom prst="rect">
@@ -5743,7 +5743,7 @@
         </p:nvSpPr>
         <p:spPr>
           <a:xfrm>
-            <a:off x="5180843" y="609600"/>
+            <a:off x="5088523" y="609600"/>
             <a:ext cx="366463" cy="262354"/>
           </a:xfrm>
           <a:prstGeom prst="rect">
@@ -5800,7 +5800,7 @@
         </p:nvCxnSpPr>
         <p:spPr>
           <a:xfrm>
-            <a:off x="5364075" y="397877"/>
+            <a:off x="5271755" y="397877"/>
             <a:ext cx="0" cy="211723"/>
           </a:xfrm>
           <a:prstGeom prst="straightConnector1">
@@ -5839,7 +5839,7 @@
         </p:nvSpPr>
         <p:spPr>
           <a:xfrm>
-            <a:off x="6087975" y="59323"/>
+            <a:off x="5995655" y="59323"/>
             <a:ext cx="381000" cy="338554"/>
           </a:xfrm>
           <a:prstGeom prst="rect">
@@ -5885,7 +5885,7 @@
         </p:nvSpPr>
         <p:spPr>
           <a:xfrm>
-            <a:off x="6095243" y="609600"/>
+            <a:off x="6002923" y="609600"/>
             <a:ext cx="366463" cy="262354"/>
           </a:xfrm>
           <a:prstGeom prst="rect">
@@ -5942,7 +5942,7 @@
         </p:nvCxnSpPr>
         <p:spPr>
           <a:xfrm>
-            <a:off x="6278475" y="397877"/>
+            <a:off x="6186155" y="397877"/>
             <a:ext cx="0" cy="211723"/>
           </a:xfrm>
           <a:prstGeom prst="straightConnector1">
@@ -5981,7 +5981,7 @@
         </p:nvSpPr>
         <p:spPr>
           <a:xfrm>
-            <a:off x="5177668" y="1694406"/>
+            <a:off x="5085348" y="1694406"/>
             <a:ext cx="1280863" cy="190500"/>
           </a:xfrm>
           <a:prstGeom prst="roundRect">
@@ -6027,7 +6027,7 @@
         </p:nvCxnSpPr>
         <p:spPr>
           <a:xfrm>
-            <a:off x="5364075" y="871954"/>
+            <a:off x="5271755" y="871954"/>
             <a:ext cx="0" cy="194846"/>
           </a:xfrm>
           <a:prstGeom prst="straightConnector1">
@@ -6068,7 +6068,7 @@
         </p:nvCxnSpPr>
         <p:spPr>
           <a:xfrm>
-            <a:off x="6278475" y="871954"/>
+            <a:off x="6186155" y="871954"/>
             <a:ext cx="0" cy="194846"/>
           </a:xfrm>
           <a:prstGeom prst="straightConnector1">
@@ -6107,7 +6107,7 @@
         </p:nvSpPr>
         <p:spPr>
           <a:xfrm>
-            <a:off x="5373562" y="2169485"/>
+            <a:off x="5281242" y="2169485"/>
             <a:ext cx="914401" cy="457200"/>
           </a:xfrm>
           <a:prstGeom prst="rect">
@@ -6153,7 +6153,7 @@
         </p:nvCxnSpPr>
         <p:spPr>
           <a:xfrm flipH="1">
-            <a:off x="5671217" y="1898439"/>
+            <a:off x="5578897" y="1898439"/>
             <a:ext cx="1" cy="266700"/>
           </a:xfrm>
           <a:prstGeom prst="straightConnector1">
@@ -6192,7 +6192,7 @@
         </p:nvCxnSpPr>
         <p:spPr>
           <a:xfrm flipH="1">
-            <a:off x="5780756" y="1898439"/>
+            <a:off x="5688436" y="1898439"/>
             <a:ext cx="1" cy="266700"/>
           </a:xfrm>
           <a:prstGeom prst="straightConnector1">
@@ -6231,7 +6231,7 @@
         </p:nvCxnSpPr>
         <p:spPr>
           <a:xfrm flipH="1">
-            <a:off x="5904579" y="1898439"/>
+            <a:off x="5812259" y="1898439"/>
             <a:ext cx="1" cy="266700"/>
           </a:xfrm>
           <a:prstGeom prst="straightConnector1">
@@ -6270,7 +6270,7 @@
         </p:nvCxnSpPr>
         <p:spPr>
           <a:xfrm flipH="1">
-            <a:off x="6014118" y="1898439"/>
+            <a:off x="5921798" y="1898439"/>
             <a:ext cx="1" cy="266700"/>
           </a:xfrm>
           <a:prstGeom prst="straightConnector1">
@@ -6311,7 +6311,7 @@
         </p:nvCxnSpPr>
         <p:spPr>
           <a:xfrm>
-            <a:off x="6458531" y="1789656"/>
+            <a:off x="6366211" y="1789656"/>
             <a:ext cx="464469" cy="0"/>
           </a:xfrm>
           <a:prstGeom prst="straightConnector1">
@@ -6348,7 +6348,7 @@
         </p:nvSpPr>
         <p:spPr>
           <a:xfrm>
-            <a:off x="6400800" y="1512657"/>
+            <a:off x="6308480" y="1512657"/>
             <a:ext cx="638316" cy="276999"/>
           </a:xfrm>
           <a:prstGeom prst="rect">
@@ -6378,7 +6378,7 @@
         </p:nvSpPr>
         <p:spPr>
           <a:xfrm>
-            <a:off x="5665432" y="621268"/>
+            <a:off x="5573112" y="621268"/>
             <a:ext cx="343364" cy="369332"/>
           </a:xfrm>
           <a:prstGeom prst="rect">
@@ -6408,7 +6408,7 @@
         </p:nvSpPr>
         <p:spPr>
           <a:xfrm>
-            <a:off x="5278491" y="1066800"/>
+            <a:off x="5186171" y="1066800"/>
             <a:ext cx="1114284" cy="336026"/>
           </a:xfrm>
           <a:prstGeom prst="rect">
@@ -6462,7 +6462,7 @@
         </p:nvCxnSpPr>
         <p:spPr>
           <a:xfrm flipH="1">
-            <a:off x="5440274" y="1409700"/>
+            <a:off x="5347954" y="1409700"/>
             <a:ext cx="1" cy="266700"/>
           </a:xfrm>
           <a:prstGeom prst="straightConnector1">
@@ -6501,7 +6501,7 @@
         </p:nvCxnSpPr>
         <p:spPr>
           <a:xfrm flipH="1">
-            <a:off x="5549813" y="1409700"/>
+            <a:off x="5457493" y="1409700"/>
             <a:ext cx="1" cy="266700"/>
           </a:xfrm>
           <a:prstGeom prst="straightConnector1">
@@ -6540,7 +6540,7 @@
         </p:nvCxnSpPr>
         <p:spPr>
           <a:xfrm flipH="1">
-            <a:off x="5673636" y="1409700"/>
+            <a:off x="5581316" y="1409700"/>
             <a:ext cx="1" cy="266700"/>
           </a:xfrm>
           <a:prstGeom prst="straightConnector1">
@@ -6579,7 +6579,7 @@
         </p:nvCxnSpPr>
         <p:spPr>
           <a:xfrm flipH="1">
-            <a:off x="5783175" y="1409700"/>
+            <a:off x="5690855" y="1409700"/>
             <a:ext cx="1" cy="266700"/>
           </a:xfrm>
           <a:prstGeom prst="straightConnector1">
@@ -6618,7 +6618,7 @@
         </p:nvCxnSpPr>
         <p:spPr>
           <a:xfrm flipH="1">
-            <a:off x="5897474" y="1408656"/>
+            <a:off x="5805154" y="1408656"/>
             <a:ext cx="1" cy="266700"/>
           </a:xfrm>
           <a:prstGeom prst="straightConnector1">
@@ -6657,7 +6657,7 @@
         </p:nvCxnSpPr>
         <p:spPr>
           <a:xfrm flipH="1">
-            <a:off x="6007013" y="1408656"/>
+            <a:off x="5914693" y="1408656"/>
             <a:ext cx="1" cy="266700"/>
           </a:xfrm>
           <a:prstGeom prst="straightConnector1">
@@ -6696,7 +6696,7 @@
         </p:nvCxnSpPr>
         <p:spPr>
           <a:xfrm flipH="1">
-            <a:off x="6130836" y="1408656"/>
+            <a:off x="6038516" y="1408656"/>
             <a:ext cx="1" cy="266700"/>
           </a:xfrm>
           <a:prstGeom prst="straightConnector1">
@@ -6735,7 +6735,7 @@
         </p:nvCxnSpPr>
         <p:spPr>
           <a:xfrm flipH="1">
-            <a:off x="6240375" y="1408656"/>
+            <a:off x="6148055" y="1408656"/>
             <a:ext cx="1" cy="266700"/>
           </a:xfrm>
           <a:prstGeom prst="straightConnector1">
@@ -6774,7 +6774,7 @@
         </p:nvSpPr>
         <p:spPr>
           <a:xfrm>
-            <a:off x="7626120" y="59323"/>
+            <a:off x="7533800" y="59323"/>
             <a:ext cx="381000" cy="338554"/>
           </a:xfrm>
           <a:prstGeom prst="rect">
@@ -6820,7 +6820,7 @@
         </p:nvSpPr>
         <p:spPr>
           <a:xfrm>
-            <a:off x="8117977" y="43934"/>
+            <a:off x="8025657" y="43934"/>
             <a:ext cx="343364" cy="369332"/>
           </a:xfrm>
           <a:prstGeom prst="rect">
@@ -6850,22 +6850,31 @@
         </p:nvSpPr>
         <p:spPr>
           <a:xfrm>
-            <a:off x="7633388" y="609600"/>
+            <a:off x="7541068" y="609600"/>
             <a:ext cx="366463" cy="262354"/>
           </a:xfrm>
           <a:prstGeom prst="rect">
             <a:avLst/>
           </a:prstGeom>
-          <a:pattFill prst="wdUpDiag">
-            <a:fgClr>
-              <a:schemeClr val="bg1">
-                <a:lumMod val="85000"/>
-              </a:schemeClr>
-            </a:fgClr>
-            <a:bgClr>
-              <a:srgbClr val="92D050"/>
-            </a:bgClr>
-          </a:pattFill>
+          <a:gradFill>
+            <a:gsLst>
+              <a:gs pos="0">
+                <a:srgbClr val="92D050"/>
+              </a:gs>
+              <a:gs pos="81000">
+                <a:schemeClr val="accent1">
+                  <a:tint val="44500"/>
+                  <a:satMod val="160000"/>
+                </a:schemeClr>
+              </a:gs>
+              <a:gs pos="100000">
+                <a:schemeClr val="bg1">
+                  <a:lumMod val="85000"/>
+                </a:schemeClr>
+              </a:gs>
+            </a:gsLst>
+            <a:lin ang="5400000" scaled="0"/>
+          </a:gradFill>
         </p:spPr>
         <p:style>
           <a:lnRef idx="1">
@@ -6907,7 +6916,7 @@
         </p:nvCxnSpPr>
         <p:spPr>
           <a:xfrm>
-            <a:off x="7816620" y="397877"/>
+            <a:off x="7724300" y="397877"/>
             <a:ext cx="0" cy="211723"/>
           </a:xfrm>
           <a:prstGeom prst="straightConnector1">
@@ -6946,7 +6955,7 @@
         </p:nvSpPr>
         <p:spPr>
           <a:xfrm>
-            <a:off x="8540520" y="59323"/>
+            <a:off x="8448200" y="59323"/>
             <a:ext cx="381000" cy="338554"/>
           </a:xfrm>
           <a:prstGeom prst="rect">
@@ -6992,22 +7001,31 @@
         </p:nvSpPr>
         <p:spPr>
           <a:xfrm>
-            <a:off x="8547788" y="609600"/>
+            <a:off x="8455468" y="609600"/>
             <a:ext cx="366463" cy="262354"/>
           </a:xfrm>
           <a:prstGeom prst="rect">
             <a:avLst/>
           </a:prstGeom>
-          <a:pattFill prst="wdUpDiag">
-            <a:fgClr>
-              <a:schemeClr val="bg1">
-                <a:lumMod val="85000"/>
-              </a:schemeClr>
-            </a:fgClr>
-            <a:bgClr>
-              <a:srgbClr val="92D050"/>
-            </a:bgClr>
-          </a:pattFill>
+          <a:gradFill>
+            <a:gsLst>
+              <a:gs pos="0">
+                <a:srgbClr val="92D050"/>
+              </a:gs>
+              <a:gs pos="69000">
+                <a:schemeClr val="accent1">
+                  <a:tint val="44500"/>
+                  <a:satMod val="160000"/>
+                </a:schemeClr>
+              </a:gs>
+              <a:gs pos="100000">
+                <a:schemeClr val="bg1">
+                  <a:lumMod val="85000"/>
+                </a:schemeClr>
+              </a:gs>
+            </a:gsLst>
+            <a:lin ang="5400000" scaled="0"/>
+          </a:gradFill>
         </p:spPr>
         <p:style>
           <a:lnRef idx="1">
@@ -7049,7 +7067,7 @@
         </p:nvCxnSpPr>
         <p:spPr>
           <a:xfrm>
-            <a:off x="8731020" y="397877"/>
+            <a:off x="8638700" y="397877"/>
             <a:ext cx="0" cy="211723"/>
           </a:xfrm>
           <a:prstGeom prst="straightConnector1">
@@ -7088,7 +7106,7 @@
         </p:nvSpPr>
         <p:spPr>
           <a:xfrm>
-            <a:off x="7630213" y="1694406"/>
+            <a:off x="7537893" y="1694406"/>
             <a:ext cx="1280863" cy="190500"/>
           </a:xfrm>
           <a:prstGeom prst="roundRect">
@@ -7134,7 +7152,7 @@
         </p:nvCxnSpPr>
         <p:spPr>
           <a:xfrm>
-            <a:off x="7816620" y="871954"/>
+            <a:off x="7724300" y="871954"/>
             <a:ext cx="0" cy="194846"/>
           </a:xfrm>
           <a:prstGeom prst="straightConnector1">
@@ -7175,7 +7193,7 @@
         </p:nvCxnSpPr>
         <p:spPr>
           <a:xfrm>
-            <a:off x="8731020" y="871954"/>
+            <a:off x="8638700" y="871954"/>
             <a:ext cx="0" cy="194846"/>
           </a:xfrm>
           <a:prstGeom prst="straightConnector1">
@@ -7214,7 +7232,7 @@
         </p:nvSpPr>
         <p:spPr>
           <a:xfrm>
-            <a:off x="7826107" y="2169485"/>
+            <a:off x="7733787" y="2169485"/>
             <a:ext cx="914401" cy="457200"/>
           </a:xfrm>
           <a:prstGeom prst="rect">
@@ -7260,7 +7278,7 @@
         </p:nvCxnSpPr>
         <p:spPr>
           <a:xfrm flipH="1">
-            <a:off x="8123762" y="1898439"/>
+            <a:off x="8031442" y="1898439"/>
             <a:ext cx="1" cy="266700"/>
           </a:xfrm>
           <a:prstGeom prst="straightConnector1">
@@ -7299,7 +7317,7 @@
         </p:nvCxnSpPr>
         <p:spPr>
           <a:xfrm flipH="1">
-            <a:off x="8233301" y="1898439"/>
+            <a:off x="8140981" y="1898439"/>
             <a:ext cx="1" cy="266700"/>
           </a:xfrm>
           <a:prstGeom prst="straightConnector1">
@@ -7338,7 +7356,7 @@
         </p:nvCxnSpPr>
         <p:spPr>
           <a:xfrm flipH="1">
-            <a:off x="8357124" y="1898439"/>
+            <a:off x="8264804" y="1898439"/>
             <a:ext cx="1" cy="266700"/>
           </a:xfrm>
           <a:prstGeom prst="straightConnector1">
@@ -7377,7 +7395,7 @@
         </p:nvCxnSpPr>
         <p:spPr>
           <a:xfrm flipH="1">
-            <a:off x="8466663" y="1898439"/>
+            <a:off x="8374343" y="1898439"/>
             <a:ext cx="1" cy="266700"/>
           </a:xfrm>
           <a:prstGeom prst="straightConnector1">
@@ -7418,7 +7436,7 @@
         </p:nvCxnSpPr>
         <p:spPr>
           <a:xfrm>
-            <a:off x="8911076" y="1789656"/>
+            <a:off x="8818756" y="1789656"/>
             <a:ext cx="464469" cy="0"/>
           </a:xfrm>
           <a:prstGeom prst="straightConnector1">
@@ -7455,7 +7473,7 @@
         </p:nvSpPr>
         <p:spPr>
           <a:xfrm>
-            <a:off x="8838970" y="1512657"/>
+            <a:off x="8746650" y="1512657"/>
             <a:ext cx="638316" cy="276999"/>
           </a:xfrm>
           <a:prstGeom prst="rect">
@@ -7485,7 +7503,7 @@
         </p:nvSpPr>
         <p:spPr>
           <a:xfrm>
-            <a:off x="8117977" y="621268"/>
+            <a:off x="8025657" y="621268"/>
             <a:ext cx="343364" cy="369332"/>
           </a:xfrm>
           <a:prstGeom prst="rect">
@@ -7515,7 +7533,7 @@
         </p:nvSpPr>
         <p:spPr>
           <a:xfrm>
-            <a:off x="7731036" y="1066800"/>
+            <a:off x="7638716" y="1066800"/>
             <a:ext cx="1114284" cy="336026"/>
           </a:xfrm>
           <a:prstGeom prst="rect">
@@ -7579,7 +7597,7 @@
         </p:nvCxnSpPr>
         <p:spPr>
           <a:xfrm flipH="1">
-            <a:off x="7892819" y="1409700"/>
+            <a:off x="7800499" y="1409700"/>
             <a:ext cx="1" cy="266700"/>
           </a:xfrm>
           <a:prstGeom prst="straightConnector1">
@@ -7618,7 +7636,7 @@
         </p:nvCxnSpPr>
         <p:spPr>
           <a:xfrm flipH="1">
-            <a:off x="8002358" y="1409700"/>
+            <a:off x="7910038" y="1409700"/>
             <a:ext cx="1" cy="266700"/>
           </a:xfrm>
           <a:prstGeom prst="straightConnector1">
@@ -7657,7 +7675,7 @@
         </p:nvCxnSpPr>
         <p:spPr>
           <a:xfrm flipH="1">
-            <a:off x="8126181" y="1409700"/>
+            <a:off x="8033861" y="1409700"/>
             <a:ext cx="1" cy="266700"/>
           </a:xfrm>
           <a:prstGeom prst="straightConnector1">
@@ -7696,7 +7714,7 @@
         </p:nvCxnSpPr>
         <p:spPr>
           <a:xfrm flipH="1">
-            <a:off x="8235720" y="1409700"/>
+            <a:off x="8143400" y="1409700"/>
             <a:ext cx="1" cy="266700"/>
           </a:xfrm>
           <a:prstGeom prst="straightConnector1">
@@ -7735,7 +7753,7 @@
         </p:nvCxnSpPr>
         <p:spPr>
           <a:xfrm flipH="1">
-            <a:off x="8350019" y="1408656"/>
+            <a:off x="8257699" y="1408656"/>
             <a:ext cx="1" cy="266700"/>
           </a:xfrm>
           <a:prstGeom prst="straightConnector1">
@@ -7774,7 +7792,7 @@
         </p:nvCxnSpPr>
         <p:spPr>
           <a:xfrm flipH="1">
-            <a:off x="8459558" y="1408656"/>
+            <a:off x="8367238" y="1408656"/>
             <a:ext cx="1" cy="266700"/>
           </a:xfrm>
           <a:prstGeom prst="straightConnector1">
@@ -7813,7 +7831,7 @@
         </p:nvCxnSpPr>
         <p:spPr>
           <a:xfrm flipH="1">
-            <a:off x="8583381" y="1408656"/>
+            <a:off x="8491061" y="1408656"/>
             <a:ext cx="1" cy="266700"/>
           </a:xfrm>
           <a:prstGeom prst="straightConnector1">
@@ -7852,7 +7870,7 @@
         </p:nvCxnSpPr>
         <p:spPr>
           <a:xfrm flipH="1">
-            <a:off x="8692920" y="1408656"/>
+            <a:off x="8600600" y="1408656"/>
             <a:ext cx="1" cy="266700"/>
           </a:xfrm>
           <a:prstGeom prst="straightConnector1">
@@ -7891,7 +7909,7 @@
         </p:nvSpPr>
         <p:spPr>
           <a:xfrm rot="16200000">
-            <a:off x="8691374" y="579567"/>
+            <a:off x="8599054" y="579567"/>
             <a:ext cx="1082476" cy="584775"/>
           </a:xfrm>
           <a:prstGeom prst="rect">
@@ -7928,7 +7946,7 @@
         </p:nvSpPr>
         <p:spPr>
           <a:xfrm rot="16200000">
-            <a:off x="3769430" y="2402771"/>
+            <a:off x="3677110" y="2402771"/>
             <a:ext cx="970715" cy="584775"/>
           </a:xfrm>
           <a:prstGeom prst="rect">
@@ -7965,7 +7983,7 @@
         </p:nvSpPr>
         <p:spPr>
           <a:xfrm>
-            <a:off x="92320" y="2998491"/>
+            <a:off x="0" y="2998491"/>
             <a:ext cx="2079095" cy="646331"/>
           </a:xfrm>
           <a:prstGeom prst="rect">
@@ -8005,7 +8023,7 @@
         </p:nvSpPr>
         <p:spPr>
           <a:xfrm>
-            <a:off x="2751014" y="3221387"/>
+            <a:off x="2658694" y="3221387"/>
             <a:ext cx="1311449" cy="369332"/>
           </a:xfrm>
           <a:prstGeom prst="rect">
@@ -8035,8 +8053,8 @@
         </p:nvSpPr>
         <p:spPr>
           <a:xfrm>
-            <a:off x="5029200" y="3221925"/>
-            <a:ext cx="1615827" cy="369332"/>
+            <a:off x="4917644" y="2944926"/>
+            <a:ext cx="1654299" cy="646331"/>
           </a:xfrm>
           <a:prstGeom prst="rect">
             <a:avLst/>
@@ -8049,9 +8067,21 @@
           </a:bodyPr>
           <a:lstStyle/>
           <a:p>
+            <a:pPr algn="ctr"/>
             <a:r>
               <a:rPr lang="en-US" dirty="0" smtClean="0"/>
-              <a:t>(c) Coherent L2</a:t>
+              <a:t>(c) </a:t>
+            </a:r>
+            <a:r>
+              <a:rPr lang="en-US" dirty="0" smtClean="0"/>
+              <a:t>Shared</a:t>
+            </a:r>
+          </a:p>
+          <a:p>
+            <a:pPr algn="ctr"/>
+            <a:r>
+              <a:rPr lang="en-US" dirty="0" smtClean="0"/>
+              <a:t>Coherent L1+L2</a:t>
             </a:r>
             <a:endParaRPr lang="en-US" dirty="0"/>
           </a:p>
@@ -8065,7 +8095,7 @@
         </p:nvSpPr>
         <p:spPr>
           <a:xfrm>
-            <a:off x="7391400" y="2944926"/>
+            <a:off x="7299080" y="2944926"/>
             <a:ext cx="1796518" cy="646331"/>
           </a:xfrm>
           <a:prstGeom prst="rect">
@@ -8089,7 +8119,11 @@
             <a:pPr algn="ctr"/>
             <a:r>
               <a:rPr lang="en-US" dirty="0" smtClean="0"/>
-              <a:t>Coherent L2</a:t>
+              <a:t>L1+</a:t>
+            </a:r>
+            <a:r>
+              <a:rPr lang="en-US" dirty="0" smtClean="0"/>
+              <a:t>L2</a:t>
             </a:r>
             <a:endParaRPr lang="en-US" dirty="0"/>
           </a:p>
@@ -8326,7 +8360,7 @@
         </p:nvCxnSpPr>
         <p:spPr>
           <a:xfrm>
-            <a:off x="2314716" y="228600"/>
+            <a:off x="2222396" y="228600"/>
             <a:ext cx="0" cy="3177453"/>
           </a:xfrm>
           <a:prstGeom prst="line">
@@ -8362,7 +8396,7 @@
         </p:nvCxnSpPr>
         <p:spPr>
           <a:xfrm>
-            <a:off x="4648200" y="244524"/>
+            <a:off x="4555880" y="244524"/>
             <a:ext cx="0" cy="3177453"/>
           </a:xfrm>
           <a:prstGeom prst="line">
@@ -8398,7 +8432,7 @@
         </p:nvCxnSpPr>
         <p:spPr>
           <a:xfrm>
-            <a:off x="7086600" y="228600"/>
+            <a:off x="6994280" y="228600"/>
             <a:ext cx="0" cy="3177453"/>
           </a:xfrm>
           <a:prstGeom prst="line">
@@ -8434,7 +8468,7 @@
         </p:nvCxnSpPr>
         <p:spPr>
           <a:xfrm>
-            <a:off x="1064834" y="2308474"/>
+            <a:off x="972514" y="2308474"/>
             <a:ext cx="3931" cy="200291"/>
           </a:xfrm>
           <a:prstGeom prst="straightConnector1">
@@ -8473,7 +8507,7 @@
         </p:nvCxnSpPr>
         <p:spPr>
           <a:xfrm>
-            <a:off x="1177168" y="2308892"/>
+            <a:off x="1084848" y="2308892"/>
             <a:ext cx="3931" cy="200291"/>
           </a:xfrm>
           <a:prstGeom prst="straightConnector1">
@@ -8512,7 +8546,7 @@
         </p:nvCxnSpPr>
         <p:spPr>
           <a:xfrm>
-            <a:off x="1284740" y="2308891"/>
+            <a:off x="1192420" y="2308891"/>
             <a:ext cx="3931" cy="200291"/>
           </a:xfrm>
           <a:prstGeom prst="straightConnector1">

--- a/figures/cache_configurations_static_dynamic.pptx
+++ b/figures/cache_configurations_static_dynamic.pptx
@@ -106,7 +106,7 @@
   </p:defaultTextStyle>
   <p:extLst>
     <p:ext uri="{EFAFB233-063F-42B5-8137-9DF3F51BA10A}">
-      <p15:sldGuideLst xmlns:p15="http://schemas.microsoft.com/office/powerpoint/2012/main">
+      <p15:sldGuideLst xmlns:p15="http://schemas.microsoft.com/office/powerpoint/2012/main" xmlns="">
         <p15:guide id="1" orient="horz" pos="1152">
           <p15:clr>
             <a:srgbClr val="A4A3A4"/>
@@ -302,7 +302,7 @@
           <a:p>
             <a:fld id="{A79B3858-976E-4C3E-BA77-60674B373806}" type="datetimeFigureOut">
               <a:rPr lang="en-US" smtClean="0"/>
-              <a:t>4/4/2017</a:t>
+              <a:t>7/12/2017</a:t>
             </a:fld>
             <a:endParaRPr lang="en-US"/>
           </a:p>
@@ -470,7 +470,7 @@
           <a:p>
             <a:fld id="{A79B3858-976E-4C3E-BA77-60674B373806}" type="datetimeFigureOut">
               <a:rPr lang="en-US" smtClean="0"/>
-              <a:t>4/4/2017</a:t>
+              <a:t>7/12/2017</a:t>
             </a:fld>
             <a:endParaRPr lang="en-US"/>
           </a:p>
@@ -648,7 +648,7 @@
           <a:p>
             <a:fld id="{A79B3858-976E-4C3E-BA77-60674B373806}" type="datetimeFigureOut">
               <a:rPr lang="en-US" smtClean="0"/>
-              <a:t>4/4/2017</a:t>
+              <a:t>7/12/2017</a:t>
             </a:fld>
             <a:endParaRPr lang="en-US"/>
           </a:p>
@@ -816,7 +816,7 @@
           <a:p>
             <a:fld id="{A79B3858-976E-4C3E-BA77-60674B373806}" type="datetimeFigureOut">
               <a:rPr lang="en-US" smtClean="0"/>
-              <a:t>4/4/2017</a:t>
+              <a:t>7/12/2017</a:t>
             </a:fld>
             <a:endParaRPr lang="en-US"/>
           </a:p>
@@ -1061,7 +1061,7 @@
           <a:p>
             <a:fld id="{A79B3858-976E-4C3E-BA77-60674B373806}" type="datetimeFigureOut">
               <a:rPr lang="en-US" smtClean="0"/>
-              <a:t>4/4/2017</a:t>
+              <a:t>7/12/2017</a:t>
             </a:fld>
             <a:endParaRPr lang="en-US"/>
           </a:p>
@@ -1346,7 +1346,7 @@
           <a:p>
             <a:fld id="{A79B3858-976E-4C3E-BA77-60674B373806}" type="datetimeFigureOut">
               <a:rPr lang="en-US" smtClean="0"/>
-              <a:t>4/4/2017</a:t>
+              <a:t>7/12/2017</a:t>
             </a:fld>
             <a:endParaRPr lang="en-US"/>
           </a:p>
@@ -1770,7 +1770,7 @@
           <a:p>
             <a:fld id="{A79B3858-976E-4C3E-BA77-60674B373806}" type="datetimeFigureOut">
               <a:rPr lang="en-US" smtClean="0"/>
-              <a:t>4/4/2017</a:t>
+              <a:t>7/12/2017</a:t>
             </a:fld>
             <a:endParaRPr lang="en-US"/>
           </a:p>
@@ -1887,7 +1887,7 @@
           <a:p>
             <a:fld id="{A79B3858-976E-4C3E-BA77-60674B373806}" type="datetimeFigureOut">
               <a:rPr lang="en-US" smtClean="0"/>
-              <a:t>4/4/2017</a:t>
+              <a:t>7/12/2017</a:t>
             </a:fld>
             <a:endParaRPr lang="en-US"/>
           </a:p>
@@ -1982,7 +1982,7 @@
           <a:p>
             <a:fld id="{A79B3858-976E-4C3E-BA77-60674B373806}" type="datetimeFigureOut">
               <a:rPr lang="en-US" smtClean="0"/>
-              <a:t>4/4/2017</a:t>
+              <a:t>7/12/2017</a:t>
             </a:fld>
             <a:endParaRPr lang="en-US"/>
           </a:p>
@@ -2257,7 +2257,7 @@
           <a:p>
             <a:fld id="{A79B3858-976E-4C3E-BA77-60674B373806}" type="datetimeFigureOut">
               <a:rPr lang="en-US" smtClean="0"/>
-              <a:t>4/4/2017</a:t>
+              <a:t>7/12/2017</a:t>
             </a:fld>
             <a:endParaRPr lang="en-US"/>
           </a:p>
@@ -2509,7 +2509,7 @@
           <a:p>
             <a:fld id="{A79B3858-976E-4C3E-BA77-60674B373806}" type="datetimeFigureOut">
               <a:rPr lang="en-US" smtClean="0"/>
-              <a:t>4/4/2017</a:t>
+              <a:t>7/12/2017</a:t>
             </a:fld>
             <a:endParaRPr lang="en-US"/>
           </a:p>
@@ -2720,7 +2720,7 @@
           <a:p>
             <a:fld id="{A79B3858-976E-4C3E-BA77-60674B373806}" type="datetimeFigureOut">
               <a:rPr lang="en-US" smtClean="0"/>
-              <a:t>4/4/2017</a:t>
+              <a:t>7/12/2017</a:t>
             </a:fld>
             <a:endParaRPr lang="en-US"/>
           </a:p>
@@ -3688,9 +3688,9 @@
         <p:grpSpPr>
           <a:xfrm>
             <a:off x="2701233" y="64028"/>
-            <a:ext cx="1986337" cy="3046707"/>
+            <a:ext cx="2001828" cy="3046707"/>
             <a:chOff x="2658148" y="64028"/>
-            <a:chExt cx="1986337" cy="3046707"/>
+            <a:chExt cx="2001828" cy="3046707"/>
           </a:xfrm>
         </p:grpSpPr>
         <p:sp>
@@ -3739,9 +3739,9 @@
           <p:grpSpPr>
             <a:xfrm>
               <a:off x="2658148" y="64028"/>
-              <a:ext cx="1886280" cy="3046707"/>
+              <a:ext cx="2001828" cy="3046707"/>
               <a:chOff x="2658148" y="64028"/>
-              <a:chExt cx="1886280" cy="3046707"/>
+              <a:chExt cx="2001828" cy="3046707"/>
             </a:xfrm>
           </p:grpSpPr>
           <p:sp>
@@ -3753,7 +3753,7 @@
             <p:spPr>
               <a:xfrm>
                 <a:off x="3870080" y="1511291"/>
-                <a:ext cx="638316" cy="276999"/>
+                <a:ext cx="789896" cy="276999"/>
               </a:xfrm>
               <a:prstGeom prst="rect">
                 <a:avLst/>
@@ -3767,8 +3767,8 @@
               <a:lstStyle/>
               <a:p>
                 <a:r>
-                  <a:rPr lang="en-US" sz="1200" b="1" dirty="0" err="1"/>
-                  <a:t>NVLink</a:t>
+                  <a:rPr lang="en-US" sz="1200" b="1" dirty="0" smtClean="0"/>
+                  <a:t>To Switch</a:t>
                 </a:r>
                 <a:endParaRPr lang="en-US" sz="1200" b="1" dirty="0"/>
               </a:p>
@@ -5289,9 +5289,9 @@
         <p:grpSpPr>
           <a:xfrm>
             <a:off x="311724" y="64028"/>
-            <a:ext cx="1986337" cy="3046707"/>
+            <a:ext cx="2001828" cy="3046707"/>
             <a:chOff x="2658148" y="64028"/>
-            <a:chExt cx="1986337" cy="3046707"/>
+            <a:chExt cx="2001828" cy="3046707"/>
           </a:xfrm>
         </p:grpSpPr>
         <p:sp>
@@ -5340,9 +5340,9 @@
           <p:grpSpPr>
             <a:xfrm>
               <a:off x="2658148" y="64028"/>
-              <a:ext cx="1886280" cy="3046707"/>
+              <a:ext cx="2001828" cy="3046707"/>
               <a:chOff x="2658148" y="64028"/>
-              <a:chExt cx="1886280" cy="3046707"/>
+              <a:chExt cx="2001828" cy="3046707"/>
             </a:xfrm>
           </p:grpSpPr>
           <p:sp>
@@ -5354,7 +5354,7 @@
             <p:spPr>
               <a:xfrm>
                 <a:off x="3870080" y="1511291"/>
-                <a:ext cx="638316" cy="276999"/>
+                <a:ext cx="789896" cy="276999"/>
               </a:xfrm>
               <a:prstGeom prst="rect">
                 <a:avLst/>
@@ -5368,8 +5368,8 @@
               <a:lstStyle/>
               <a:p>
                 <a:r>
-                  <a:rPr lang="en-US" sz="1200" b="1" dirty="0" err="1"/>
-                  <a:t>NVLink</a:t>
+                  <a:rPr lang="en-US" sz="1200" b="1" dirty="0" smtClean="0"/>
+                  <a:t>To Switch</a:t>
                 </a:r>
                 <a:endParaRPr lang="en-US" sz="1200" b="1" dirty="0"/>
               </a:p>
@@ -6516,9 +6516,9 @@
         <p:grpSpPr>
           <a:xfrm>
             <a:off x="5090742" y="64028"/>
-            <a:ext cx="1986337" cy="3046707"/>
+            <a:ext cx="2001828" cy="3046707"/>
             <a:chOff x="2658148" y="64028"/>
-            <a:chExt cx="1986337" cy="3046707"/>
+            <a:chExt cx="2001828" cy="3046707"/>
           </a:xfrm>
         </p:grpSpPr>
         <p:sp>
@@ -6567,9 +6567,9 @@
           <p:grpSpPr>
             <a:xfrm>
               <a:off x="2658148" y="64028"/>
-              <a:ext cx="1850248" cy="3046707"/>
+              <a:ext cx="2001828" cy="3046707"/>
               <a:chOff x="2658148" y="64028"/>
-              <a:chExt cx="1850248" cy="3046707"/>
+              <a:chExt cx="2001828" cy="3046707"/>
             </a:xfrm>
           </p:grpSpPr>
           <p:sp>
@@ -6581,7 +6581,7 @@
             <p:spPr>
               <a:xfrm>
                 <a:off x="3870080" y="1511291"/>
-                <a:ext cx="638316" cy="276999"/>
+                <a:ext cx="789896" cy="276999"/>
               </a:xfrm>
               <a:prstGeom prst="rect">
                 <a:avLst/>
@@ -6595,8 +6595,8 @@
               <a:lstStyle/>
               <a:p>
                 <a:r>
-                  <a:rPr lang="en-US" sz="1200" b="1" dirty="0" err="1"/>
-                  <a:t>NVLink</a:t>
+                  <a:rPr lang="en-US" sz="1200" b="1" dirty="0" smtClean="0"/>
+                  <a:t>To Switch</a:t>
                 </a:r>
                 <a:endParaRPr lang="en-US" sz="1200" b="1" dirty="0"/>
               </a:p>
@@ -7711,9 +7711,9 @@
         <p:grpSpPr>
           <a:xfrm>
             <a:off x="7480252" y="64028"/>
-            <a:ext cx="1986337" cy="3046707"/>
+            <a:ext cx="2001828" cy="3046707"/>
             <a:chOff x="2658148" y="64028"/>
-            <a:chExt cx="1986337" cy="3046707"/>
+            <a:chExt cx="2001828" cy="3046707"/>
           </a:xfrm>
         </p:grpSpPr>
         <p:sp>
@@ -7762,9 +7762,9 @@
           <p:grpSpPr>
             <a:xfrm>
               <a:off x="2658148" y="64028"/>
-              <a:ext cx="1850248" cy="3046707"/>
+              <a:ext cx="2001828" cy="3046707"/>
               <a:chOff x="2658148" y="64028"/>
-              <a:chExt cx="1850248" cy="3046707"/>
+              <a:chExt cx="2001828" cy="3046707"/>
             </a:xfrm>
           </p:grpSpPr>
           <p:sp>
@@ -7776,7 +7776,7 @@
             <p:spPr>
               <a:xfrm>
                 <a:off x="3870080" y="1511291"/>
-                <a:ext cx="638316" cy="276999"/>
+                <a:ext cx="789896" cy="276999"/>
               </a:xfrm>
               <a:prstGeom prst="rect">
                 <a:avLst/>
@@ -7790,8 +7790,8 @@
               <a:lstStyle/>
               <a:p>
                 <a:r>
-                  <a:rPr lang="en-US" sz="1200" b="1" dirty="0" err="1"/>
-                  <a:t>NVLink</a:t>
+                  <a:rPr lang="en-US" sz="1200" b="1" dirty="0" smtClean="0"/>
+                  <a:t>To Switch</a:t>
                 </a:r>
                 <a:endParaRPr lang="en-US" sz="1200" b="1" dirty="0"/>
               </a:p>

--- a/figures/cache_configurations_static_dynamic.pptx
+++ b/figures/cache_configurations_static_dynamic.pptx
@@ -106,7 +106,7 @@
   </p:defaultTextStyle>
   <p:extLst>
     <p:ext uri="{EFAFB233-063F-42B5-8137-9DF3F51BA10A}">
-      <p15:sldGuideLst xmlns="" xmlns:p15="http://schemas.microsoft.com/office/powerpoint/2012/main">
+      <p15:sldGuideLst xmlns:p15="http://schemas.microsoft.com/office/powerpoint/2012/main" xmlns="">
         <p15:guide id="1" orient="horz" pos="1152">
           <p15:clr>
             <a:srgbClr val="A4A3A4"/>
@@ -302,7 +302,7 @@
           <a:p>
             <a:fld id="{A79B3858-976E-4C3E-BA77-60674B373806}" type="datetimeFigureOut">
               <a:rPr lang="en-US" smtClean="0"/>
-              <a:t>7/12/2017</a:t>
+              <a:t>7/18/2017</a:t>
             </a:fld>
             <a:endParaRPr lang="en-US"/>
           </a:p>
@@ -470,7 +470,7 @@
           <a:p>
             <a:fld id="{A79B3858-976E-4C3E-BA77-60674B373806}" type="datetimeFigureOut">
               <a:rPr lang="en-US" smtClean="0"/>
-              <a:t>7/12/2017</a:t>
+              <a:t>7/18/2017</a:t>
             </a:fld>
             <a:endParaRPr lang="en-US"/>
           </a:p>
@@ -648,7 +648,7 @@
           <a:p>
             <a:fld id="{A79B3858-976E-4C3E-BA77-60674B373806}" type="datetimeFigureOut">
               <a:rPr lang="en-US" smtClean="0"/>
-              <a:t>7/12/2017</a:t>
+              <a:t>7/18/2017</a:t>
             </a:fld>
             <a:endParaRPr lang="en-US"/>
           </a:p>
@@ -816,7 +816,7 @@
           <a:p>
             <a:fld id="{A79B3858-976E-4C3E-BA77-60674B373806}" type="datetimeFigureOut">
               <a:rPr lang="en-US" smtClean="0"/>
-              <a:t>7/12/2017</a:t>
+              <a:t>7/18/2017</a:t>
             </a:fld>
             <a:endParaRPr lang="en-US"/>
           </a:p>
@@ -1061,7 +1061,7 @@
           <a:p>
             <a:fld id="{A79B3858-976E-4C3E-BA77-60674B373806}" type="datetimeFigureOut">
               <a:rPr lang="en-US" smtClean="0"/>
-              <a:t>7/12/2017</a:t>
+              <a:t>7/18/2017</a:t>
             </a:fld>
             <a:endParaRPr lang="en-US"/>
           </a:p>
@@ -1346,7 +1346,7 @@
           <a:p>
             <a:fld id="{A79B3858-976E-4C3E-BA77-60674B373806}" type="datetimeFigureOut">
               <a:rPr lang="en-US" smtClean="0"/>
-              <a:t>7/12/2017</a:t>
+              <a:t>7/18/2017</a:t>
             </a:fld>
             <a:endParaRPr lang="en-US"/>
           </a:p>
@@ -1770,7 +1770,7 @@
           <a:p>
             <a:fld id="{A79B3858-976E-4C3E-BA77-60674B373806}" type="datetimeFigureOut">
               <a:rPr lang="en-US" smtClean="0"/>
-              <a:t>7/12/2017</a:t>
+              <a:t>7/18/2017</a:t>
             </a:fld>
             <a:endParaRPr lang="en-US"/>
           </a:p>
@@ -1887,7 +1887,7 @@
           <a:p>
             <a:fld id="{A79B3858-976E-4C3E-BA77-60674B373806}" type="datetimeFigureOut">
               <a:rPr lang="en-US" smtClean="0"/>
-              <a:t>7/12/2017</a:t>
+              <a:t>7/18/2017</a:t>
             </a:fld>
             <a:endParaRPr lang="en-US"/>
           </a:p>
@@ -1982,7 +1982,7 @@
           <a:p>
             <a:fld id="{A79B3858-976E-4C3E-BA77-60674B373806}" type="datetimeFigureOut">
               <a:rPr lang="en-US" smtClean="0"/>
-              <a:t>7/12/2017</a:t>
+              <a:t>7/18/2017</a:t>
             </a:fld>
             <a:endParaRPr lang="en-US"/>
           </a:p>
@@ -2257,7 +2257,7 @@
           <a:p>
             <a:fld id="{A79B3858-976E-4C3E-BA77-60674B373806}" type="datetimeFigureOut">
               <a:rPr lang="en-US" smtClean="0"/>
-              <a:t>7/12/2017</a:t>
+              <a:t>7/18/2017</a:t>
             </a:fld>
             <a:endParaRPr lang="en-US"/>
           </a:p>
@@ -2509,7 +2509,7 @@
           <a:p>
             <a:fld id="{A79B3858-976E-4C3E-BA77-60674B373806}" type="datetimeFigureOut">
               <a:rPr lang="en-US" smtClean="0"/>
-              <a:t>7/12/2017</a:t>
+              <a:t>7/18/2017</a:t>
             </a:fld>
             <a:endParaRPr lang="en-US"/>
           </a:p>
@@ -2720,7 +2720,7 @@
           <a:p>
             <a:fld id="{A79B3858-976E-4C3E-BA77-60674B373806}" type="datetimeFigureOut">
               <a:rPr lang="en-US" smtClean="0"/>
-              <a:t>7/12/2017</a:t>
+              <a:t>7/18/2017</a:t>
             </a:fld>
             <a:endParaRPr lang="en-US"/>
           </a:p>
@@ -3416,11 +3416,7 @@
             </a:r>
             <a:r>
               <a:rPr lang="en-US" sz="1600" dirty="0" smtClean="0"/>
-              <a:t>inter-GPU BW</a:t>
-            </a:r>
-            <a:r>
-              <a:rPr lang="en-US" sz="1600" dirty="0" smtClean="0"/>
-              <a:t> </a:t>
+              <a:t>inter-GPU BW </a:t>
             </a:r>
             <a:r>
               <a:rPr lang="en-US" sz="1600" dirty="0"/>
@@ -3479,11 +3475,7 @@
             </a:r>
             <a:r>
               <a:rPr lang="en-US" sz="1600" dirty="0" smtClean="0"/>
-              <a:t>inter-GPU BW</a:t>
-            </a:r>
-            <a:r>
-              <a:rPr lang="en-US" sz="1600" dirty="0" smtClean="0"/>
-              <a:t> </a:t>
+              <a:t>inter-GPU BW </a:t>
             </a:r>
             <a:r>
               <a:rPr lang="en-US" sz="1600" dirty="0"/>
@@ -4330,43 +4322,6 @@
               </a:p>
             </p:txBody>
           </p:sp>
-          <p:sp>
-            <p:nvSpPr>
-              <p:cNvPr id="261" name="TextBox 260"/>
-              <p:cNvSpPr txBox="1"/>
-              <p:nvPr/>
-            </p:nvSpPr>
-            <p:spPr>
-              <a:xfrm rot="16200000">
-                <a:off x="3766683" y="2149954"/>
-                <a:ext cx="970715" cy="584775"/>
-              </a:xfrm>
-              <a:prstGeom prst="rect">
-                <a:avLst/>
-              </a:prstGeom>
-              <a:noFill/>
-            </p:spPr>
-            <p:txBody>
-              <a:bodyPr wrap="none" rtlCol="0">
-                <a:spAutoFit/>
-              </a:bodyPr>
-              <a:lstStyle/>
-              <a:p>
-                <a:pPr algn="ctr"/>
-                <a:r>
-                  <a:rPr lang="en-US" sz="1600" b="1" dirty="0"/>
-                  <a:t>Not</a:t>
-                </a:r>
-              </a:p>
-              <a:p>
-                <a:pPr algn="ctr"/>
-                <a:r>
-                  <a:rPr lang="en-US" sz="1600" b="1" dirty="0"/>
-                  <a:t>Coherent</a:t>
-                </a:r>
-              </a:p>
-            </p:txBody>
-          </p:sp>
           <p:cxnSp>
             <p:nvCxnSpPr>
               <p:cNvPr id="335" name="Straight Arrow Connector 334"/>
@@ -5325,9 +5280,9 @@
         <p:grpSpPr>
           <a:xfrm>
             <a:off x="247198" y="64028"/>
-            <a:ext cx="2001828" cy="3046707"/>
+            <a:ext cx="2038802" cy="3127607"/>
             <a:chOff x="2658148" y="64028"/>
-            <a:chExt cx="2001828" cy="3046707"/>
+            <a:chExt cx="2038802" cy="3127607"/>
           </a:xfrm>
         </p:grpSpPr>
         <p:sp>
@@ -5376,9 +5331,9 @@
           <p:grpSpPr>
             <a:xfrm>
               <a:off x="2658148" y="64028"/>
-              <a:ext cx="2001828" cy="3046707"/>
+              <a:ext cx="2038802" cy="3127607"/>
               <a:chOff x="2658148" y="64028"/>
-              <a:chExt cx="2001828" cy="3046707"/>
+              <a:chExt cx="2038802" cy="3127607"/>
             </a:xfrm>
           </p:grpSpPr>
           <p:sp>
@@ -5893,8 +5848,8 @@
             </p:nvSpPr>
             <p:spPr>
               <a:xfrm rot="16200000">
-                <a:off x="3766683" y="2149954"/>
-                <a:ext cx="970715" cy="584775"/>
+                <a:off x="3792023" y="2286708"/>
+                <a:ext cx="1286634" cy="523220"/>
               </a:xfrm>
               <a:prstGeom prst="rect">
                 <a:avLst/>
@@ -5909,16 +5864,17 @@
               <a:p>
                 <a:pPr algn="ctr"/>
                 <a:r>
-                  <a:rPr lang="en-US" sz="1600" b="1" dirty="0"/>
-                  <a:t>Not</a:t>
+                  <a:rPr lang="en-US" sz="1600" b="1" dirty="0" smtClean="0"/>
+                  <a:t>Coherent</a:t>
                 </a:r>
               </a:p>
               <a:p>
                 <a:pPr algn="ctr"/>
                 <a:r>
-                  <a:rPr lang="en-US" sz="1600" b="1" dirty="0"/>
-                  <a:t>Coherent</a:t>
+                  <a:rPr lang="en-US" sz="1200" b="1" dirty="0" smtClean="0"/>
+                  <a:t>(part of memory)</a:t>
                 </a:r>
+                <a:endParaRPr lang="en-US" sz="1200" b="1" dirty="0"/>
               </a:p>
             </p:txBody>
           </p:sp>
@@ -9073,6 +9029,44 @@
           </a:fontRef>
         </p:style>
       </p:cxnSp>
+      <p:sp>
+        <p:nvSpPr>
+          <p:cNvPr id="147" name="TextBox 146"/>
+          <p:cNvSpPr txBox="1"/>
+          <p:nvPr/>
+        </p:nvSpPr>
+        <p:spPr>
+          <a:xfrm rot="16200000">
+            <a:off x="3743273" y="2286708"/>
+            <a:ext cx="1286634" cy="523220"/>
+          </a:xfrm>
+          <a:prstGeom prst="rect">
+            <a:avLst/>
+          </a:prstGeom>
+          <a:noFill/>
+        </p:spPr>
+        <p:txBody>
+          <a:bodyPr wrap="none" rtlCol="0">
+            <a:spAutoFit/>
+          </a:bodyPr>
+          <a:lstStyle/>
+          <a:p>
+            <a:pPr algn="ctr"/>
+            <a:r>
+              <a:rPr lang="en-US" sz="1600" b="1" dirty="0" smtClean="0"/>
+              <a:t>Coherent</a:t>
+            </a:r>
+          </a:p>
+          <a:p>
+            <a:pPr algn="ctr"/>
+            <a:r>
+              <a:rPr lang="en-US" sz="1200" b="1" dirty="0" smtClean="0"/>
+              <a:t>(part of memory)</a:t>
+            </a:r>
+            <a:endParaRPr lang="en-US" sz="1200" b="1" dirty="0"/>
+          </a:p>
+        </p:txBody>
+      </p:sp>
     </p:spTree>
     <p:extLst>
       <p:ext uri="{BB962C8B-B14F-4D97-AF65-F5344CB8AC3E}">
